--- a/Class 15- Running Exercise 1 IDLR.pptx
+++ b/Class 15- Running Exercise 1 IDLR.pptx
@@ -5,7 +5,7 @@
     <p:sldMasterId id="2147483702" r:id="rId1"/>
   </p:sldMasterIdLst>
   <p:notesMasterIdLst>
-    <p:notesMasterId r:id="rId16"/>
+    <p:notesMasterId r:id="rId15"/>
   </p:notesMasterIdLst>
   <p:sldIdLst>
     <p:sldId id="256" r:id="rId2"/>
@@ -18,10 +18,9 @@
     <p:sldId id="334" r:id="rId9"/>
     <p:sldId id="335" r:id="rId10"/>
     <p:sldId id="336" r:id="rId11"/>
-    <p:sldId id="339" r:id="rId12"/>
-    <p:sldId id="340" r:id="rId13"/>
-    <p:sldId id="337" r:id="rId14"/>
-    <p:sldId id="341" r:id="rId15"/>
+    <p:sldId id="337" r:id="rId12"/>
+    <p:sldId id="339" r:id="rId13"/>
+    <p:sldId id="340" r:id="rId14"/>
   </p:sldIdLst>
   <p:sldSz cx="12192000" cy="6858000"/>
   <p:notesSz cx="6858000" cy="9144000"/>
@@ -8083,10 +8082,10 @@
       </p:grpSpPr>
       <p:sp>
         <p:nvSpPr>
-          <p:cNvPr id="6" name="Title 5">
+          <p:cNvPr id="2" name="Title 1">
             <a:extLst>
               <a:ext uri="{FF2B5EF4-FFF2-40B4-BE49-F238E27FC236}">
-                <a16:creationId xmlns:a16="http://schemas.microsoft.com/office/drawing/2014/main" id="{DC7FDBDB-7459-1233-7A0D-DF8DCE748BB8}"/>
+                <a16:creationId xmlns:a16="http://schemas.microsoft.com/office/drawing/2014/main" id="{5F390604-9F42-898D-2F3E-472DF0064DF8}"/>
               </a:ext>
             </a:extLst>
           </p:cNvPr>
@@ -8097,29 +8096,24 @@
             <p:ph type="title"/>
           </p:nvPr>
         </p:nvSpPr>
-        <p:spPr>
-          <a:xfrm>
-            <a:off x="1154956" y="2861733"/>
-            <a:ext cx="8825657" cy="860401"/>
-          </a:xfrm>
-        </p:spPr>
+        <p:spPr/>
         <p:txBody>
           <a:bodyPr/>
           <a:lstStyle/>
           <a:p>
             <a:r>
               <a:rPr lang="en-US" dirty="0"/>
-              <a:t>Code Walkthrough</a:t>
-            </a:r>
-          </a:p>
-        </p:txBody>
-      </p:sp>
-      <p:sp>
-        <p:nvSpPr>
-          <p:cNvPr id="7" name="Text Placeholder 6">
+              <a:t>What are we learning?</a:t>
+            </a:r>
+          </a:p>
+        </p:txBody>
+      </p:sp>
+      <p:sp>
+        <p:nvSpPr>
+          <p:cNvPr id="3" name="Content Placeholder 2">
             <a:extLst>
               <a:ext uri="{FF2B5EF4-FFF2-40B4-BE49-F238E27FC236}">
-                <a16:creationId xmlns:a16="http://schemas.microsoft.com/office/drawing/2014/main" id="{77ED7ABD-E5BE-E61D-3706-B820964B3402}"/>
+                <a16:creationId xmlns:a16="http://schemas.microsoft.com/office/drawing/2014/main" id="{30FD9C63-F145-73C5-90BF-70DC7343C0D1}"/>
               </a:ext>
             </a:extLst>
           </p:cNvPr>
@@ -8127,23 +8121,99 @@
             <a:spLocks noGrp="1"/>
           </p:cNvSpPr>
           <p:nvPr>
-            <p:ph type="body" idx="1"/>
-          </p:nvPr>
-        </p:nvSpPr>
-        <p:spPr>
-          <a:xfrm>
-            <a:off x="1154956" y="3722134"/>
-            <a:ext cx="8825658" cy="860400"/>
-          </a:xfrm>
-        </p:spPr>
-        <p:txBody>
-          <a:bodyPr/>
+            <p:ph idx="1"/>
+          </p:nvPr>
+        </p:nvSpPr>
+        <p:spPr/>
+        <p:txBody>
+          <a:bodyPr>
+            <a:normAutofit fontScale="92500" lnSpcReduction="20000"/>
+          </a:bodyPr>
           <a:lstStyle/>
           <a:p>
             <a:r>
               <a:rPr lang="en-US" dirty="0"/>
-              <a:t>How did they do this and where did they cheat?</a:t>
-            </a:r>
+              <a:t>Python is a Sea of Versions</a:t>
+            </a:r>
+          </a:p>
+          <a:p>
+            <a:r>
+              <a:rPr lang="en-US" dirty="0"/>
+              <a:t>Hyperparameters</a:t>
+            </a:r>
+          </a:p>
+          <a:p>
+            <a:pPr lvl="1"/>
+            <a:r>
+              <a:rPr lang="en-US" dirty="0"/>
+              <a:t>N-layers, n-neurons</a:t>
+            </a:r>
+          </a:p>
+          <a:p>
+            <a:pPr lvl="1"/>
+            <a:r>
+              <a:rPr lang="en-US" dirty="0"/>
+              <a:t>Learning rate</a:t>
+            </a:r>
+          </a:p>
+          <a:p>
+            <a:r>
+              <a:rPr lang="en-US" dirty="0"/>
+              <a:t>There is a great deal of algorithm and heuristic involved in</a:t>
+            </a:r>
+          </a:p>
+          <a:p>
+            <a:pPr lvl="1"/>
+            <a:r>
+              <a:rPr lang="en-US" dirty="0"/>
+              <a:t>Where to head</a:t>
+            </a:r>
+          </a:p>
+          <a:p>
+            <a:pPr lvl="1"/>
+            <a:r>
+              <a:rPr lang="en-US" dirty="0"/>
+              <a:t>How to turn if collision is imminent</a:t>
+            </a:r>
+          </a:p>
+          <a:p>
+            <a:pPr lvl="1"/>
+            <a:r>
+              <a:rPr lang="en-US" dirty="0"/>
+              <a:t>How to get out of a box</a:t>
+            </a:r>
+          </a:p>
+          <a:p>
+            <a:pPr lvl="2"/>
+            <a:r>
+              <a:rPr lang="en-US" dirty="0"/>
+              <a:t>python PlayingTheModel.py 1</a:t>
+            </a:r>
+          </a:p>
+          <a:p>
+            <a:pPr lvl="2"/>
+            <a:r>
+              <a:rPr lang="en-US" dirty="0"/>
+              <a:t>python PlayingTheModel.py 2</a:t>
+            </a:r>
+          </a:p>
+          <a:p>
+            <a:pPr lvl="2"/>
+            <a:r>
+              <a:rPr lang="en-US" dirty="0"/>
+              <a:t>python PlayingTheModel.py 3</a:t>
+            </a:r>
+          </a:p>
+          <a:p>
+            <a:pPr lvl="2"/>
+            <a:r>
+              <a:rPr lang="en-US" dirty="0"/>
+              <a:t>python PlayingTheModel.py 4 !!!!!!!</a:t>
+            </a:r>
+          </a:p>
+          <a:p>
+            <a:pPr lvl="2"/>
+            <a:endParaRPr lang="en-US" dirty="0"/>
           </a:p>
         </p:txBody>
       </p:sp>
@@ -8152,7 +8222,7 @@
           <p:cNvPr id="4" name="Footer Placeholder 3">
             <a:extLst>
               <a:ext uri="{FF2B5EF4-FFF2-40B4-BE49-F238E27FC236}">
-                <a16:creationId xmlns:a16="http://schemas.microsoft.com/office/drawing/2014/main" id="{52F039C8-6492-BEFA-5A4C-D90B53B1411F}"/>
+                <a16:creationId xmlns:a16="http://schemas.microsoft.com/office/drawing/2014/main" id="{4AE77940-5992-CDF0-46D5-DEFED78166B1}"/>
               </a:ext>
             </a:extLst>
           </p:cNvPr>
@@ -8180,7 +8250,7 @@
           <p:cNvPr id="5" name="Slide Number Placeholder 4">
             <a:extLst>
               <a:ext uri="{FF2B5EF4-FFF2-40B4-BE49-F238E27FC236}">
-                <a16:creationId xmlns:a16="http://schemas.microsoft.com/office/drawing/2014/main" id="{19333F73-9AF4-ECAA-764A-8782A84BD0CD}"/>
+                <a16:creationId xmlns:a16="http://schemas.microsoft.com/office/drawing/2014/main" id="{817BC3E7-6BF1-9C1C-9FEF-DB24CCA92A92}"/>
               </a:ext>
             </a:extLst>
           </p:cNvPr>
@@ -8207,7 +8277,7 @@
     </p:spTree>
     <p:extLst>
       <p:ext uri="{BB962C8B-B14F-4D97-AF65-F5344CB8AC3E}">
-        <p14:creationId xmlns:p14="http://schemas.microsoft.com/office/powerpoint/2010/main" val="2545087004"/>
+        <p14:creationId xmlns:p14="http://schemas.microsoft.com/office/powerpoint/2010/main" val="2947277342"/>
       </p:ext>
     </p:extLst>
   </p:cSld>
@@ -8239,7 +8309,7 @@
           <p:cNvPr id="6" name="Title 5">
             <a:extLst>
               <a:ext uri="{FF2B5EF4-FFF2-40B4-BE49-F238E27FC236}">
-                <a16:creationId xmlns:a16="http://schemas.microsoft.com/office/drawing/2014/main" id="{4C31F25C-89E0-45F4-E159-9CE2188B1145}"/>
+                <a16:creationId xmlns:a16="http://schemas.microsoft.com/office/drawing/2014/main" id="{DC7FDBDB-7459-1233-7A0D-DF8DCE748BB8}"/>
               </a:ext>
             </a:extLst>
           </p:cNvPr>
@@ -8257,17 +8327,17 @@
           <a:p>
             <a:r>
               <a:rPr lang="en-US" dirty="0"/>
-              <a:t>Three Main Modules</a:t>
-            </a:r>
-          </a:p>
-        </p:txBody>
-      </p:sp>
-      <p:sp>
-        <p:nvSpPr>
-          <p:cNvPr id="7" name="Content Placeholder 6">
+              <a:t>Code Walkthrough</a:t>
+            </a:r>
+          </a:p>
+        </p:txBody>
+      </p:sp>
+      <p:sp>
+        <p:nvSpPr>
+          <p:cNvPr id="7" name="Text Placeholder 6">
             <a:extLst>
               <a:ext uri="{FF2B5EF4-FFF2-40B4-BE49-F238E27FC236}">
-                <a16:creationId xmlns:a16="http://schemas.microsoft.com/office/drawing/2014/main" id="{3977E561-248C-1CCD-16CD-54D0B86010FA}"/>
+                <a16:creationId xmlns:a16="http://schemas.microsoft.com/office/drawing/2014/main" id="{77ED7ABD-E5BE-E61D-3706-B820964B3402}"/>
               </a:ext>
             </a:extLst>
           </p:cNvPr>
@@ -8275,88 +8345,15 @@
             <a:spLocks noGrp="1"/>
           </p:cNvSpPr>
           <p:nvPr>
-            <p:ph idx="1"/>
+            <p:ph type="body" idx="1"/>
           </p:nvPr>
         </p:nvSpPr>
         <p:spPr/>
         <p:txBody>
-          <a:bodyPr>
-            <a:normAutofit fontScale="92500" lnSpcReduction="20000"/>
-          </a:bodyPr>
+          <a:bodyPr/>
           <a:lstStyle/>
           <a:p>
-            <a:r>
-              <a:rPr lang="en-US" dirty="0"/>
-              <a:t>ExploreAndCollect.py</a:t>
-            </a:r>
-          </a:p>
-          <a:p>
-            <a:pPr lvl="1"/>
-            <a:r>
-              <a:rPr lang="en-US" dirty="0"/>
-              <a:t>Use the game and physics models to just drive around and record sensors, steering angle, and whether we smacked into something</a:t>
-            </a:r>
-          </a:p>
-          <a:p>
-            <a:pPr lvl="1"/>
-            <a:r>
-              <a:rPr lang="en-US" dirty="0"/>
-              <a:t>Random steering</a:t>
-            </a:r>
-          </a:p>
-          <a:p>
-            <a:r>
-              <a:rPr lang="en-US" dirty="0"/>
-              <a:t>MakeItLearn.py</a:t>
-            </a:r>
-          </a:p>
-          <a:p>
-            <a:pPr lvl="1"/>
-            <a:r>
-              <a:rPr lang="en-US" dirty="0"/>
-              <a:t>Define the NN and hyperparameters (critical, of course)</a:t>
-            </a:r>
-          </a:p>
-          <a:p>
-            <a:pPr lvl="1"/>
-            <a:r>
-              <a:rPr lang="en-US" dirty="0"/>
-              <a:t>PreProcessing.py</a:t>
-            </a:r>
-          </a:p>
-          <a:p>
-            <a:pPr lvl="2"/>
-            <a:r>
-              <a:rPr lang="en-US" dirty="0"/>
-              <a:t>Slide the collision column up by 20 so we are predictive</a:t>
-            </a:r>
-          </a:p>
-          <a:p>
-            <a:pPr lvl="2"/>
-            <a:r>
-              <a:rPr lang="en-US" dirty="0"/>
-              <a:t>Build test and train splits</a:t>
-            </a:r>
-          </a:p>
-          <a:p>
-            <a:r>
-              <a:rPr lang="en-US" dirty="0"/>
-              <a:t>PlayingTheModel.py</a:t>
-            </a:r>
-          </a:p>
-          <a:p>
-            <a:pPr lvl="1"/>
-            <a:r>
-              <a:rPr lang="en-US" dirty="0"/>
-              <a:t>Use the game/physics models to drive around</a:t>
-            </a:r>
-          </a:p>
-          <a:p>
-            <a:pPr lvl="1"/>
-            <a:r>
-              <a:rPr lang="en-US" dirty="0"/>
-              <a:t>An awful lot of heuristic driving built in… using the NN only to predict whether a crash will happen</a:t>
-            </a:r>
+            <a:endParaRPr lang="en-US"/>
           </a:p>
         </p:txBody>
       </p:sp>
@@ -8365,7 +8362,7 @@
           <p:cNvPr id="4" name="Footer Placeholder 3">
             <a:extLst>
               <a:ext uri="{FF2B5EF4-FFF2-40B4-BE49-F238E27FC236}">
-                <a16:creationId xmlns:a16="http://schemas.microsoft.com/office/drawing/2014/main" id="{13D37A41-7E5D-135D-BED7-44F241686BB2}"/>
+                <a16:creationId xmlns:a16="http://schemas.microsoft.com/office/drawing/2014/main" id="{52F039C8-6492-BEFA-5A4C-D90B53B1411F}"/>
               </a:ext>
             </a:extLst>
           </p:cNvPr>
@@ -8393,7 +8390,7 @@
           <p:cNvPr id="5" name="Slide Number Placeholder 4">
             <a:extLst>
               <a:ext uri="{FF2B5EF4-FFF2-40B4-BE49-F238E27FC236}">
-                <a16:creationId xmlns:a16="http://schemas.microsoft.com/office/drawing/2014/main" id="{7339D413-5463-B554-4037-31B2A3E89AB4}"/>
+                <a16:creationId xmlns:a16="http://schemas.microsoft.com/office/drawing/2014/main" id="{19333F73-9AF4-ECAA-764A-8782A84BD0CD}"/>
               </a:ext>
             </a:extLst>
           </p:cNvPr>
@@ -8413,14 +8410,14 @@
               <a:rPr lang="en-US" smtClean="0"/>
               <a:t>12</a:t>
             </a:fld>
-            <a:endParaRPr lang="en-US"/>
+            <a:endParaRPr lang="en-US" dirty="0"/>
           </a:p>
         </p:txBody>
       </p:sp>
     </p:spTree>
     <p:extLst>
       <p:ext uri="{BB962C8B-B14F-4D97-AF65-F5344CB8AC3E}">
-        <p14:creationId xmlns:p14="http://schemas.microsoft.com/office/powerpoint/2010/main" val="2932280806"/>
+        <p14:creationId xmlns:p14="http://schemas.microsoft.com/office/powerpoint/2010/main" val="2545087004"/>
       </p:ext>
     </p:extLst>
   </p:cSld>
@@ -8449,10 +8446,10 @@
       </p:grpSpPr>
       <p:sp>
         <p:nvSpPr>
-          <p:cNvPr id="2" name="Title 1">
+          <p:cNvPr id="6" name="Title 5">
             <a:extLst>
               <a:ext uri="{FF2B5EF4-FFF2-40B4-BE49-F238E27FC236}">
-                <a16:creationId xmlns:a16="http://schemas.microsoft.com/office/drawing/2014/main" id="{5F390604-9F42-898D-2F3E-472DF0064DF8}"/>
+                <a16:creationId xmlns:a16="http://schemas.microsoft.com/office/drawing/2014/main" id="{4C31F25C-89E0-45F4-E159-9CE2188B1145}"/>
               </a:ext>
             </a:extLst>
           </p:cNvPr>
@@ -8470,17 +8467,17 @@
           <a:p>
             <a:r>
               <a:rPr lang="en-US" dirty="0"/>
-              <a:t>What Are We Learning?</a:t>
-            </a:r>
-          </a:p>
-        </p:txBody>
-      </p:sp>
-      <p:sp>
-        <p:nvSpPr>
-          <p:cNvPr id="3" name="Content Placeholder 2">
+              <a:t>Three Main Modules</a:t>
+            </a:r>
+          </a:p>
+        </p:txBody>
+      </p:sp>
+      <p:sp>
+        <p:nvSpPr>
+          <p:cNvPr id="7" name="Content Placeholder 6">
             <a:extLst>
               <a:ext uri="{FF2B5EF4-FFF2-40B4-BE49-F238E27FC236}">
-                <a16:creationId xmlns:a16="http://schemas.microsoft.com/office/drawing/2014/main" id="{30FD9C63-F145-73C5-90BF-70DC7343C0D1}"/>
+                <a16:creationId xmlns:a16="http://schemas.microsoft.com/office/drawing/2014/main" id="{3977E561-248C-1CCD-16CD-54D0B86010FA}"/>
               </a:ext>
             </a:extLst>
           </p:cNvPr>
@@ -8493,94 +8490,32 @@
         </p:nvSpPr>
         <p:spPr/>
         <p:txBody>
-          <a:bodyPr>
-            <a:normAutofit fontScale="92500" lnSpcReduction="20000"/>
-          </a:bodyPr>
+          <a:bodyPr/>
           <a:lstStyle/>
           <a:p>
             <a:r>
               <a:rPr lang="en-US" dirty="0"/>
-              <a:t>Python is a Sea of Versions</a:t>
+              <a:t>ExploreAndCollect.py</a:t>
             </a:r>
           </a:p>
           <a:p>
             <a:r>
               <a:rPr lang="en-US" dirty="0"/>
-              <a:t>Hyperparameters are mysterious and trial-and-error</a:t>
+              <a:t>MakeItLearn.py</a:t>
             </a:r>
           </a:p>
           <a:p>
             <a:pPr lvl="1"/>
             <a:r>
               <a:rPr lang="en-US" dirty="0"/>
-              <a:t>N-layers, n-neurons</a:t>
-            </a:r>
-          </a:p>
-          <a:p>
-            <a:pPr lvl="1"/>
+              <a:t>PreProcessing.py</a:t>
+            </a:r>
+          </a:p>
+          <a:p>
             <a:r>
               <a:rPr lang="en-US" dirty="0"/>
-              <a:t>Learning rate</a:t>
-            </a:r>
-          </a:p>
-          <a:p>
-            <a:r>
-              <a:rPr lang="en-US" dirty="0"/>
-              <a:t>There is a great deal of non-ML algorithm and heuristic involved in</a:t>
-            </a:r>
-          </a:p>
-          <a:p>
-            <a:pPr lvl="1"/>
-            <a:r>
-              <a:rPr lang="en-US" dirty="0"/>
-              <a:t>Where to head</a:t>
-            </a:r>
-          </a:p>
-          <a:p>
-            <a:pPr lvl="1"/>
-            <a:r>
-              <a:rPr lang="en-US" dirty="0"/>
-              <a:t>How to turn if collision is imminent</a:t>
-            </a:r>
-          </a:p>
-          <a:p>
-            <a:pPr lvl="1"/>
-            <a:r>
-              <a:rPr lang="en-US" dirty="0"/>
-              <a:t>How to get out of a box</a:t>
-            </a:r>
-          </a:p>
-          <a:p>
-            <a:pPr lvl="2"/>
-            <a:r>
-              <a:rPr lang="en-US" dirty="0"/>
-              <a:t>python PlayingTheModel.py 1</a:t>
-            </a:r>
-          </a:p>
-          <a:p>
-            <a:pPr lvl="2"/>
-            <a:r>
-              <a:rPr lang="en-US" dirty="0"/>
-              <a:t>python PlayingTheModel.py 2</a:t>
-            </a:r>
-          </a:p>
-          <a:p>
-            <a:pPr lvl="2"/>
-            <a:r>
-              <a:rPr lang="en-US" dirty="0"/>
-              <a:t>python PlayingTheModel.py 3</a:t>
-            </a:r>
-          </a:p>
-          <a:p>
-            <a:pPr lvl="2"/>
-            <a:r>
-              <a:rPr lang="en-US" dirty="0"/>
-              <a:t>python PlayingTheModel.py 4 !!!!!!!</a:t>
-            </a:r>
-          </a:p>
-          <a:p>
-            <a:pPr lvl="2"/>
-            <a:endParaRPr lang="en-US" dirty="0"/>
+              <a:t>PlayingTheModel.py</a:t>
+            </a:r>
           </a:p>
         </p:txBody>
       </p:sp>
@@ -8589,7 +8524,7 @@
           <p:cNvPr id="4" name="Footer Placeholder 3">
             <a:extLst>
               <a:ext uri="{FF2B5EF4-FFF2-40B4-BE49-F238E27FC236}">
-                <a16:creationId xmlns:a16="http://schemas.microsoft.com/office/drawing/2014/main" id="{4AE77940-5992-CDF0-46D5-DEFED78166B1}"/>
+                <a16:creationId xmlns:a16="http://schemas.microsoft.com/office/drawing/2014/main" id="{13D37A41-7E5D-135D-BED7-44F241686BB2}"/>
               </a:ext>
             </a:extLst>
           </p:cNvPr>
@@ -8617,7 +8552,7 @@
           <p:cNvPr id="5" name="Slide Number Placeholder 4">
             <a:extLst>
               <a:ext uri="{FF2B5EF4-FFF2-40B4-BE49-F238E27FC236}">
-                <a16:creationId xmlns:a16="http://schemas.microsoft.com/office/drawing/2014/main" id="{817BC3E7-6BF1-9C1C-9FEF-DB24CCA92A92}"/>
+                <a16:creationId xmlns:a16="http://schemas.microsoft.com/office/drawing/2014/main" id="{7339D413-5463-B554-4037-31B2A3E89AB4}"/>
               </a:ext>
             </a:extLst>
           </p:cNvPr>
@@ -8637,221 +8572,14 @@
               <a:rPr lang="en-US" smtClean="0"/>
               <a:t>13</a:t>
             </a:fld>
-            <a:endParaRPr lang="en-US" dirty="0"/>
+            <a:endParaRPr lang="en-US"/>
           </a:p>
         </p:txBody>
       </p:sp>
     </p:spTree>
     <p:extLst>
       <p:ext uri="{BB962C8B-B14F-4D97-AF65-F5344CB8AC3E}">
-        <p14:creationId xmlns:p14="http://schemas.microsoft.com/office/powerpoint/2010/main" val="2947277342"/>
-      </p:ext>
-    </p:extLst>
-  </p:cSld>
-  <p:clrMapOvr>
-    <a:masterClrMapping/>
-  </p:clrMapOvr>
-</p:sld>
-</file>
-
-<file path=ppt/slides/slide14.xml><?xml version="1.0" encoding="utf-8"?>
-<p:sld xmlns:a="http://schemas.openxmlformats.org/drawingml/2006/main" xmlns:r="http://schemas.openxmlformats.org/officeDocument/2006/relationships" xmlns:p="http://schemas.openxmlformats.org/presentationml/2006/main">
-  <p:cSld>
-    <p:spTree>
-      <p:nvGrpSpPr>
-        <p:cNvPr id="1" name=""/>
-        <p:cNvGrpSpPr/>
-        <p:nvPr/>
-      </p:nvGrpSpPr>
-      <p:grpSpPr>
-        <a:xfrm>
-          <a:off x="0" y="0"/>
-          <a:ext cx="0" cy="0"/>
-          <a:chOff x="0" y="0"/>
-          <a:chExt cx="0" cy="0"/>
-        </a:xfrm>
-      </p:grpSpPr>
-      <p:sp>
-        <p:nvSpPr>
-          <p:cNvPr id="2" name="Title 1">
-            <a:extLst>
-              <a:ext uri="{FF2B5EF4-FFF2-40B4-BE49-F238E27FC236}">
-                <a16:creationId xmlns:a16="http://schemas.microsoft.com/office/drawing/2014/main" id="{B2B1EFE5-1902-3B34-1703-ECF34EF4380E}"/>
-              </a:ext>
-            </a:extLst>
-          </p:cNvPr>
-          <p:cNvSpPr>
-            <a:spLocks noGrp="1"/>
-          </p:cNvSpPr>
-          <p:nvPr>
-            <p:ph type="title"/>
-          </p:nvPr>
-        </p:nvSpPr>
-        <p:spPr/>
-        <p:txBody>
-          <a:bodyPr/>
-          <a:lstStyle/>
-          <a:p>
-            <a:r>
-              <a:rPr lang="en-US" dirty="0"/>
-              <a:t>Summary</a:t>
-            </a:r>
-          </a:p>
-        </p:txBody>
-      </p:sp>
-      <p:sp>
-        <p:nvSpPr>
-          <p:cNvPr id="3" name="Content Placeholder 2">
-            <a:extLst>
-              <a:ext uri="{FF2B5EF4-FFF2-40B4-BE49-F238E27FC236}">
-                <a16:creationId xmlns:a16="http://schemas.microsoft.com/office/drawing/2014/main" id="{0B5BCE92-C274-1636-6419-19892E44DB02}"/>
-              </a:ext>
-            </a:extLst>
-          </p:cNvPr>
-          <p:cNvSpPr>
-            <a:spLocks noGrp="1"/>
-          </p:cNvSpPr>
-          <p:nvPr>
-            <p:ph idx="1"/>
-          </p:nvPr>
-        </p:nvSpPr>
-        <p:spPr/>
-        <p:txBody>
-          <a:bodyPr>
-            <a:normAutofit lnSpcReduction="10000"/>
-          </a:bodyPr>
-          <a:lstStyle/>
-          <a:p>
-            <a:r>
-              <a:rPr lang="en-US" dirty="0"/>
-              <a:t>Most of the code is in the simulation!</a:t>
-            </a:r>
-          </a:p>
-          <a:p>
-            <a:pPr lvl="1"/>
-            <a:r>
-              <a:rPr lang="en-US" dirty="0"/>
-              <a:t>Frequently the case</a:t>
-            </a:r>
-          </a:p>
-          <a:p>
-            <a:r>
-              <a:rPr lang="en-US" dirty="0"/>
-              <a:t>We have built a driving heuristic and are only using the NN to predict collision based on sensor data and proposed steering angle</a:t>
-            </a:r>
-          </a:p>
-          <a:p>
-            <a:pPr lvl="1"/>
-            <a:r>
-              <a:rPr lang="en-US" dirty="0"/>
-              <a:t>HELLO!</a:t>
-            </a:r>
-          </a:p>
-          <a:p>
-            <a:pPr lvl="2"/>
-            <a:r>
-              <a:rPr lang="en-US" dirty="0"/>
-              <a:t>Could you do this (better) without ML?</a:t>
-            </a:r>
-          </a:p>
-          <a:p>
-            <a:pPr lvl="2"/>
-            <a:r>
-              <a:rPr lang="en-US" dirty="0"/>
-              <a:t>Often the case…</a:t>
-            </a:r>
-          </a:p>
-          <a:p>
-            <a:pPr lvl="2"/>
-            <a:r>
-              <a:rPr lang="en-US" dirty="0"/>
-              <a:t>Often, though, you don’t get the idea for the heuristic until after the NN is working</a:t>
-            </a:r>
-          </a:p>
-          <a:p>
-            <a:pPr lvl="2"/>
-            <a:r>
-              <a:rPr lang="en-US" dirty="0"/>
-              <a:t>What would you do?</a:t>
-            </a:r>
-          </a:p>
-          <a:p>
-            <a:pPr lvl="3"/>
-            <a:r>
-              <a:rPr lang="en-US" dirty="0"/>
-              <a:t>Leave the NN in and ignore it (and say you’re using ML)</a:t>
-            </a:r>
-          </a:p>
-          <a:p>
-            <a:pPr lvl="3"/>
-            <a:r>
-              <a:rPr lang="en-US" dirty="0"/>
-              <a:t>Rip out the NN</a:t>
-            </a:r>
-          </a:p>
-        </p:txBody>
-      </p:sp>
-      <p:sp>
-        <p:nvSpPr>
-          <p:cNvPr id="4" name="Footer Placeholder 3">
-            <a:extLst>
-              <a:ext uri="{FF2B5EF4-FFF2-40B4-BE49-F238E27FC236}">
-                <a16:creationId xmlns:a16="http://schemas.microsoft.com/office/drawing/2014/main" id="{0B094492-5150-C376-FC3F-62B2090B9517}"/>
-              </a:ext>
-            </a:extLst>
-          </p:cNvPr>
-          <p:cNvSpPr>
-            <a:spLocks noGrp="1"/>
-          </p:cNvSpPr>
-          <p:nvPr>
-            <p:ph type="ftr" sz="quarter" idx="11"/>
-          </p:nvPr>
-        </p:nvSpPr>
-        <p:spPr/>
-        <p:txBody>
-          <a:bodyPr/>
-          <a:lstStyle/>
-          <a:p>
-            <a:r>
-              <a:rPr lang="en-US"/>
-              <a:t>CSC485B SUNY Plattsburgh</a:t>
-            </a:r>
-          </a:p>
-        </p:txBody>
-      </p:sp>
-      <p:sp>
-        <p:nvSpPr>
-          <p:cNvPr id="5" name="Slide Number Placeholder 4">
-            <a:extLst>
-              <a:ext uri="{FF2B5EF4-FFF2-40B4-BE49-F238E27FC236}">
-                <a16:creationId xmlns:a16="http://schemas.microsoft.com/office/drawing/2014/main" id="{F6E81D57-56FA-2DA9-B54B-7F91A0C5AB2D}"/>
-              </a:ext>
-            </a:extLst>
-          </p:cNvPr>
-          <p:cNvSpPr>
-            <a:spLocks noGrp="1"/>
-          </p:cNvSpPr>
-          <p:nvPr>
-            <p:ph type="sldNum" sz="quarter" idx="12"/>
-          </p:nvPr>
-        </p:nvSpPr>
-        <p:spPr/>
-        <p:txBody>
-          <a:bodyPr/>
-          <a:lstStyle/>
-          <a:p>
-            <a:fld id="{73B850FF-6169-4056-8077-06FFA93A5366}" type="slidenum">
-              <a:rPr lang="en-US" smtClean="0"/>
-              <a:t>14</a:t>
-            </a:fld>
-            <a:endParaRPr lang="en-US" dirty="0"/>
-          </a:p>
-        </p:txBody>
-      </p:sp>
-    </p:spTree>
-    <p:extLst>
-      <p:ext uri="{BB962C8B-B14F-4D97-AF65-F5344CB8AC3E}">
-        <p14:creationId xmlns:p14="http://schemas.microsoft.com/office/powerpoint/2010/main" val="1436624294"/>
+        <p14:creationId xmlns:p14="http://schemas.microsoft.com/office/powerpoint/2010/main" val="2932280806"/>
       </p:ext>
     </p:extLst>
   </p:cSld>
